--- a/doc/Presentation.pptx
+++ b/doc/Presentation.pptx
@@ -8944,8 +8944,8 @@
           <a:chExt cx="0" cy="0"/>
         </a:xfrm>
       </p:grpSpPr>
-      <mc:AlternateContent xmlns:mc="http://schemas.openxmlformats.org/markup-compatibility/2006">
-        <mc:Choice xmlns:a14="http://schemas.microsoft.com/office/drawing/2010/main" Requires="a14">
+      <mc:AlternateContent xmlns:mc="http://schemas.openxmlformats.org/markup-compatibility/2006" xmlns:a14="http://schemas.microsoft.com/office/drawing/2010/main">
+        <mc:Choice Requires="a14">
           <p:graphicFrame>
             <p:nvGraphicFramePr>
               <p:cNvPr id="6" name="Tabulka 6">
@@ -10044,7 +10044,7 @@
             </a:graphic>
           </p:graphicFrame>
         </mc:Choice>
-        <mc:Fallback>
+        <mc:Fallback xmlns="">
           <p:graphicFrame>
             <p:nvGraphicFramePr>
               <p:cNvPr id="6" name="Tabulka 6">
@@ -10734,8 +10734,8 @@
           </a:p>
         </p:txBody>
       </p:sp>
-      <mc:AlternateContent xmlns:mc="http://schemas.openxmlformats.org/markup-compatibility/2006">
-        <mc:Choice xmlns:a14="http://schemas.microsoft.com/office/drawing/2010/main" Requires="a14">
+      <mc:AlternateContent xmlns:mc="http://schemas.openxmlformats.org/markup-compatibility/2006" xmlns:a14="http://schemas.microsoft.com/office/drawing/2010/main">
+        <mc:Choice Requires="a14">
           <p:sp>
             <p:nvSpPr>
               <p:cNvPr id="9" name="TextovéPole 8">
@@ -10902,7 +10902,7 @@
             </p:txBody>
           </p:sp>
         </mc:Choice>
-        <mc:Fallback>
+        <mc:Fallback xmlns="">
           <p:sp>
             <p:nvSpPr>
               <p:cNvPr id="9" name="TextovéPole 8">
@@ -11075,8 +11075,8 @@
           </a:p>
         </p:txBody>
       </p:sp>
-      <mc:AlternateContent xmlns:mc="http://schemas.openxmlformats.org/markup-compatibility/2006">
-        <mc:Choice xmlns:a14="http://schemas.microsoft.com/office/drawing/2010/main" Requires="a14">
+      <mc:AlternateContent xmlns:mc="http://schemas.openxmlformats.org/markup-compatibility/2006" xmlns:a14="http://schemas.microsoft.com/office/drawing/2010/main">
+        <mc:Choice Requires="a14">
           <p:graphicFrame>
             <p:nvGraphicFramePr>
               <p:cNvPr id="6" name="Tabulka 6">
@@ -12055,7 +12055,7 @@
             </a:graphic>
           </p:graphicFrame>
         </mc:Choice>
-        <mc:Fallback>
+        <mc:Fallback xmlns="">
           <p:graphicFrame>
             <p:nvGraphicFramePr>
               <p:cNvPr id="6" name="Tabulka 6">
@@ -12646,8 +12646,8 @@
           </p:graphicFrame>
         </mc:Fallback>
       </mc:AlternateContent>
-      <mc:AlternateContent xmlns:mc="http://schemas.openxmlformats.org/markup-compatibility/2006">
-        <mc:Choice xmlns:a14="http://schemas.microsoft.com/office/drawing/2010/main" Requires="a14">
+      <mc:AlternateContent xmlns:mc="http://schemas.openxmlformats.org/markup-compatibility/2006" xmlns:a14="http://schemas.microsoft.com/office/drawing/2010/main">
+        <mc:Choice Requires="a14">
           <p:sp>
             <p:nvSpPr>
               <p:cNvPr id="7" name="TextovéPole 6">
@@ -12814,7 +12814,7 @@
             </p:txBody>
           </p:sp>
         </mc:Choice>
-        <mc:Fallback>
+        <mc:Fallback xmlns="">
           <p:sp>
             <p:nvSpPr>
               <p:cNvPr id="7" name="TextovéPole 6">
@@ -13219,8 +13219,8 @@
           </a:p>
         </p:txBody>
       </p:sp>
-      <mc:AlternateContent xmlns:mc="http://schemas.openxmlformats.org/markup-compatibility/2006">
-        <mc:Choice xmlns:a14="http://schemas.microsoft.com/office/drawing/2010/main" Requires="a14">
+      <mc:AlternateContent xmlns:mc="http://schemas.openxmlformats.org/markup-compatibility/2006" xmlns:a14="http://schemas.microsoft.com/office/drawing/2010/main">
+        <mc:Choice Requires="a14">
           <p:graphicFrame>
             <p:nvGraphicFramePr>
               <p:cNvPr id="13" name="Tabulka 13">
@@ -16621,7 +16621,7 @@
             </a:graphic>
           </p:graphicFrame>
         </mc:Choice>
-        <mc:Fallback>
+        <mc:Fallback xmlns="">
           <p:graphicFrame>
             <p:nvGraphicFramePr>
               <p:cNvPr id="13" name="Tabulka 13">
@@ -20127,8 +20127,8 @@
           </a:p>
         </p:txBody>
       </p:sp>
-      <mc:AlternateContent xmlns:mc="http://schemas.openxmlformats.org/markup-compatibility/2006">
-        <mc:Choice xmlns:a14="http://schemas.microsoft.com/office/drawing/2010/main" Requires="a14">
+      <mc:AlternateContent xmlns:mc="http://schemas.openxmlformats.org/markup-compatibility/2006" xmlns:a14="http://schemas.microsoft.com/office/drawing/2010/main">
+        <mc:Choice Requires="a14">
           <p:graphicFrame>
             <p:nvGraphicFramePr>
               <p:cNvPr id="13" name="Tabulka 13">
@@ -23535,7 +23535,7 @@
             </a:graphic>
           </p:graphicFrame>
         </mc:Choice>
-        <mc:Fallback>
+        <mc:Fallback xmlns="">
           <p:graphicFrame>
             <p:nvGraphicFramePr>
               <p:cNvPr id="13" name="Tabulka 13">
@@ -26945,8 +26945,8 @@
           <a:chExt cx="0" cy="0"/>
         </a:xfrm>
       </p:grpSpPr>
-      <mc:AlternateContent xmlns:mc="http://schemas.openxmlformats.org/markup-compatibility/2006">
-        <mc:Choice xmlns:a14="http://schemas.microsoft.com/office/drawing/2010/main" Requires="a14">
+      <mc:AlternateContent xmlns:mc="http://schemas.openxmlformats.org/markup-compatibility/2006" xmlns:a14="http://schemas.microsoft.com/office/drawing/2010/main">
+        <mc:Choice Requires="a14">
           <p:sp>
             <p:nvSpPr>
               <p:cNvPr id="2" name="Zástupný obsah 1">
@@ -27215,7 +27215,7 @@
             </p:txBody>
           </p:sp>
         </mc:Choice>
-        <mc:Fallback>
+        <mc:Fallback xmlns="">
           <p:sp>
             <p:nvSpPr>
               <p:cNvPr id="2" name="Zástupný obsah 1">
@@ -27637,7 +27637,7 @@
                 <a:pPr algn="just"/>
                 <a:r>
                   <a:rPr lang="cs-CZ" dirty="0"/>
-                  <a:t>Publikovat </a:t>
+                  <a:t>Publikoval </a:t>
                 </a:r>
                 <a:r>
                   <a:rPr lang="cs-CZ" dirty="0" err="1"/>
@@ -28729,8 +28729,8 @@
           </a:p>
         </p:txBody>
       </p:sp>
-      <mc:AlternateContent xmlns:mc="http://schemas.openxmlformats.org/markup-compatibility/2006">
-        <mc:Choice xmlns:a14="http://schemas.microsoft.com/office/drawing/2010/main" Requires="a14">
+      <mc:AlternateContent xmlns:mc="http://schemas.openxmlformats.org/markup-compatibility/2006" xmlns:a14="http://schemas.microsoft.com/office/drawing/2010/main">
+        <mc:Choice Requires="a14">
           <p:sp>
             <p:nvSpPr>
               <p:cNvPr id="9" name="Zástupný obsah 8">
@@ -29203,7 +29203,7 @@
             </p:txBody>
           </p:sp>
         </mc:Choice>
-        <mc:Fallback>
+        <mc:Fallback xmlns="">
           <p:sp>
             <p:nvSpPr>
               <p:cNvPr id="9" name="Zástupný obsah 8">
@@ -29375,8 +29375,8 @@
           </a:p>
         </p:txBody>
       </p:sp>
-      <mc:AlternateContent xmlns:mc="http://schemas.openxmlformats.org/markup-compatibility/2006">
-        <mc:Choice xmlns:a14="http://schemas.microsoft.com/office/drawing/2010/main" Requires="a14">
+      <mc:AlternateContent xmlns:mc="http://schemas.openxmlformats.org/markup-compatibility/2006" xmlns:a14="http://schemas.microsoft.com/office/drawing/2010/main">
+        <mc:Choice Requires="a14">
           <p:graphicFrame>
             <p:nvGraphicFramePr>
               <p:cNvPr id="13" name="Tabulka 13">
@@ -32942,7 +32942,7 @@
             </a:graphic>
           </p:graphicFrame>
         </mc:Choice>
-        <mc:Fallback>
+        <mc:Fallback xmlns="">
           <p:graphicFrame>
             <p:nvGraphicFramePr>
               <p:cNvPr id="13" name="Tabulka 13">
@@ -36613,8 +36613,8 @@
           </a:p>
         </p:txBody>
       </p:sp>
-      <mc:AlternateContent xmlns:mc="http://schemas.openxmlformats.org/markup-compatibility/2006">
-        <mc:Choice xmlns:a14="http://schemas.microsoft.com/office/drawing/2010/main" Requires="a14">
+      <mc:AlternateContent xmlns:mc="http://schemas.openxmlformats.org/markup-compatibility/2006" xmlns:a14="http://schemas.microsoft.com/office/drawing/2010/main">
+        <mc:Choice Requires="a14">
           <p:graphicFrame>
             <p:nvGraphicFramePr>
               <p:cNvPr id="13" name="Tabulka 13">
@@ -40193,7 +40193,7 @@
             </a:graphic>
           </p:graphicFrame>
         </mc:Choice>
-        <mc:Fallback>
+        <mc:Fallback xmlns="">
           <p:graphicFrame>
             <p:nvGraphicFramePr>
               <p:cNvPr id="13" name="Tabulka 13">
@@ -47239,18 +47239,18 @@
 </file>
 
 <file path=customXml/item1.xml><?xml version="1.0" encoding="utf-8"?>
-<p:properties xmlns:p="http://schemas.microsoft.com/office/2006/metadata/properties" xmlns:xsi="http://www.w3.org/2001/XMLSchema-instance" xmlns:pc="http://schemas.microsoft.com/office/infopath/2007/PartnerControls">
-  <documentManagement/>
-</p:properties>
-</file>
-
-<file path=customXml/item2.xml><?xml version="1.0" encoding="utf-8"?>
 <?mso-contentType ?>
 <FormTemplates xmlns="http://schemas.microsoft.com/sharepoint/v3/contenttype/forms">
   <Display>DocumentLibraryForm</Display>
   <Edit>DocumentLibraryForm</Edit>
   <New>DocumentLibraryForm</New>
 </FormTemplates>
+</file>
+
+<file path=customXml/item2.xml><?xml version="1.0" encoding="utf-8"?>
+<p:properties xmlns:p="http://schemas.microsoft.com/office/2006/metadata/properties" xmlns:xsi="http://www.w3.org/2001/XMLSchema-instance" xmlns:pc="http://schemas.microsoft.com/office/infopath/2007/PartnerControls">
+  <documentManagement/>
+</p:properties>
 </file>
 
 <file path=customXml/item3.xml><?xml version="1.0" encoding="utf-8"?>
@@ -47463,6 +47463,14 @@
 </file>
 
 <file path=customXml/itemProps1.xml><?xml version="1.0" encoding="utf-8"?>
+<ds:datastoreItem xmlns:ds="http://schemas.openxmlformats.org/officeDocument/2006/customXml" ds:itemID="{24F972ED-EFCD-40E0-ABFE-07DA576A1763}">
+  <ds:schemaRefs>
+    <ds:schemaRef ds:uri="http://schemas.microsoft.com/sharepoint/v3/contenttype/forms"/>
+  </ds:schemaRefs>
+</ds:datastoreItem>
+</file>
+
+<file path=customXml/itemProps2.xml><?xml version="1.0" encoding="utf-8"?>
 <ds:datastoreItem xmlns:ds="http://schemas.openxmlformats.org/officeDocument/2006/customXml" ds:itemID="{262107AF-50E3-4468-A11D-493DCCBF3C6B}">
   <ds:schemaRefs>
     <ds:schemaRef ds:uri="http://schemas.microsoft.com/office/2006/metadata/properties"/>
@@ -47475,14 +47483,6 @@
     <ds:schemaRef ds:uri="0a831583-ce9c-4037-8f91-15cb6b4a224f"/>
     <ds:schemaRef ds:uri="http://www.w3.org/XML/1998/namespace"/>
     <ds:schemaRef ds:uri="http://purl.org/dc/elements/1.1/"/>
-  </ds:schemaRefs>
-</ds:datastoreItem>
-</file>
-
-<file path=customXml/itemProps2.xml><?xml version="1.0" encoding="utf-8"?>
-<ds:datastoreItem xmlns:ds="http://schemas.openxmlformats.org/officeDocument/2006/customXml" ds:itemID="{24F972ED-EFCD-40E0-ABFE-07DA576A1763}">
-  <ds:schemaRefs>
-    <ds:schemaRef ds:uri="http://schemas.microsoft.com/sharepoint/v3/contenttype/forms"/>
   </ds:schemaRefs>
 </ds:datastoreItem>
 </file>
